--- a/Lecture/Web Scraping 2/Web_Scraping_2_Lecture.pptx
+++ b/Lecture/Web Scraping 2/Web_Scraping_2_Lecture.pptx
@@ -299,7 +299,7 @@
               <a:pPr>
                 <a:defRPr/>
               </a:pPr>
-              <a:t>2/14/2019</a:t>
+              <a:t>9/25/2019</a:t>
             </a:fld>
             <a:endParaRPr lang="en-US" dirty="0"/>
           </a:p>
@@ -511,7 +511,7 @@
               <a:pPr>
                 <a:defRPr/>
               </a:pPr>
-              <a:t>2/14/2019</a:t>
+              <a:t>9/25/2019</a:t>
             </a:fld>
             <a:endParaRPr lang="en-US" dirty="0"/>
           </a:p>
@@ -1030,7 +1030,7 @@
               <a:pPr>
                 <a:defRPr/>
               </a:pPr>
-              <a:t>2/14/2019</a:t>
+              <a:t>9/25/2019</a:t>
             </a:fld>
             <a:endParaRPr lang="en-US" dirty="0"/>
           </a:p>
@@ -1220,7 +1220,7 @@
               <a:pPr>
                 <a:defRPr/>
               </a:pPr>
-              <a:t>2/14/2019</a:t>
+              <a:t>9/25/2019</a:t>
             </a:fld>
             <a:endParaRPr lang="en-US" dirty="0"/>
           </a:p>
@@ -1420,7 +1420,7 @@
               <a:pPr>
                 <a:defRPr/>
               </a:pPr>
-              <a:t>2/14/2019</a:t>
+              <a:t>9/25/2019</a:t>
             </a:fld>
             <a:endParaRPr lang="en-US" dirty="0"/>
           </a:p>
@@ -1688,7 +1688,7 @@
               <a:pPr>
                 <a:defRPr/>
               </a:pPr>
-              <a:t>2/14/2019</a:t>
+              <a:t>9/25/2019</a:t>
             </a:fld>
             <a:endParaRPr lang="en-US" dirty="0">
               <a:solidFill>
@@ -1902,7 +1902,7 @@
               <a:pPr>
                 <a:defRPr/>
               </a:pPr>
-              <a:t>2/14/2019</a:t>
+              <a:t>9/25/2019</a:t>
             </a:fld>
             <a:endParaRPr lang="en-US" dirty="0">
               <a:solidFill>
@@ -2193,7 +2193,7 @@
               <a:pPr>
                 <a:defRPr/>
               </a:pPr>
-              <a:t>2/14/2019</a:t>
+              <a:t>9/25/2019</a:t>
             </a:fld>
             <a:endParaRPr lang="en-US" dirty="0">
               <a:solidFill>
@@ -2524,7 +2524,7 @@
               <a:pPr>
                 <a:defRPr/>
               </a:pPr>
-              <a:t>2/14/2019</a:t>
+              <a:t>9/25/2019</a:t>
             </a:fld>
             <a:endParaRPr lang="en-US" dirty="0">
               <a:solidFill>
@@ -2989,7 +2989,7 @@
               <a:pPr>
                 <a:defRPr/>
               </a:pPr>
-              <a:t>2/14/2019</a:t>
+              <a:t>9/25/2019</a:t>
             </a:fld>
             <a:endParaRPr lang="en-US" dirty="0">
               <a:solidFill>
@@ -3152,7 +3152,7 @@
               <a:pPr>
                 <a:defRPr/>
               </a:pPr>
-              <a:t>2/14/2019</a:t>
+              <a:t>9/25/2019</a:t>
             </a:fld>
             <a:endParaRPr lang="en-US" dirty="0">
               <a:solidFill>
@@ -3293,7 +3293,7 @@
               <a:pPr>
                 <a:defRPr/>
               </a:pPr>
-              <a:t>2/14/2019</a:t>
+              <a:t>9/25/2019</a:t>
             </a:fld>
             <a:endParaRPr lang="en-US" dirty="0">
               <a:solidFill>
@@ -3614,7 +3614,7 @@
               <a:pPr>
                 <a:defRPr/>
               </a:pPr>
-              <a:t>2/14/2019</a:t>
+              <a:t>9/25/2019</a:t>
             </a:fld>
             <a:endParaRPr lang="en-US" dirty="0">
               <a:solidFill>
@@ -3822,7 +3822,7 @@
               <a:pPr>
                 <a:defRPr/>
               </a:pPr>
-              <a:t>2/14/2019</a:t>
+              <a:t>9/25/2019</a:t>
             </a:fld>
             <a:endParaRPr lang="en-US" dirty="0"/>
           </a:p>
@@ -4105,7 +4105,7 @@
               <a:pPr>
                 <a:defRPr/>
               </a:pPr>
-              <a:t>2/14/2019</a:t>
+              <a:t>9/25/2019</a:t>
             </a:fld>
             <a:endParaRPr lang="en-US" dirty="0">
               <a:solidFill>
@@ -4319,7 +4319,7 @@
               <a:pPr>
                 <a:defRPr/>
               </a:pPr>
-              <a:t>2/14/2019</a:t>
+              <a:t>9/25/2019</a:t>
             </a:fld>
             <a:endParaRPr lang="en-US" dirty="0">
               <a:solidFill>
@@ -4543,7 +4543,7 @@
               <a:pPr>
                 <a:defRPr/>
               </a:pPr>
-              <a:t>2/14/2019</a:t>
+              <a:t>9/25/2019</a:t>
             </a:fld>
             <a:endParaRPr lang="en-US" dirty="0">
               <a:solidFill>
@@ -4753,7 +4753,7 @@
               <a:pPr>
                 <a:defRPr/>
               </a:pPr>
-              <a:t>2/14/2019</a:t>
+              <a:t>9/25/2019</a:t>
             </a:fld>
             <a:endParaRPr lang="en-US" dirty="0">
               <a:solidFill>
@@ -5030,7 +5030,7 @@
               <a:pPr>
                 <a:defRPr/>
               </a:pPr>
-              <a:t>2/14/2019</a:t>
+              <a:t>9/25/2019</a:t>
             </a:fld>
             <a:endParaRPr lang="en-US" dirty="0"/>
           </a:p>
@@ -5337,7 +5337,7 @@
               <a:pPr>
                 <a:defRPr/>
               </a:pPr>
-              <a:t>2/14/2019</a:t>
+              <a:t>9/25/2019</a:t>
             </a:fld>
             <a:endParaRPr lang="en-US" dirty="0"/>
           </a:p>
@@ -5778,7 +5778,7 @@
               <a:pPr>
                 <a:defRPr/>
               </a:pPr>
-              <a:t>2/14/2019</a:t>
+              <a:t>9/25/2019</a:t>
             </a:fld>
             <a:endParaRPr lang="en-US" dirty="0"/>
           </a:p>
@@ -5917,7 +5917,7 @@
               <a:pPr>
                 <a:defRPr/>
               </a:pPr>
-              <a:t>2/14/2019</a:t>
+              <a:t>9/25/2019</a:t>
             </a:fld>
             <a:endParaRPr lang="en-US" dirty="0"/>
           </a:p>
@@ -6034,7 +6034,7 @@
               <a:pPr>
                 <a:defRPr/>
               </a:pPr>
-              <a:t>2/14/2019</a:t>
+              <a:t>9/25/2019</a:t>
             </a:fld>
             <a:endParaRPr lang="en-US" dirty="0"/>
           </a:p>
@@ -6331,7 +6331,7 @@
               <a:pPr>
                 <a:defRPr/>
               </a:pPr>
-              <a:t>2/14/2019</a:t>
+              <a:t>9/25/2019</a:t>
             </a:fld>
             <a:endParaRPr lang="en-US" dirty="0"/>
           </a:p>
@@ -6608,7 +6608,7 @@
               <a:pPr>
                 <a:defRPr/>
               </a:pPr>
-              <a:t>2/14/2019</a:t>
+              <a:t>9/25/2019</a:t>
             </a:fld>
             <a:endParaRPr lang="en-US" dirty="0"/>
           </a:p>
@@ -6865,7 +6865,7 @@
               <a:pPr>
                 <a:defRPr/>
               </a:pPr>
-              <a:t>2/14/2019</a:t>
+              <a:t>9/25/2019</a:t>
             </a:fld>
             <a:endParaRPr lang="en-US" dirty="0"/>
           </a:p>
@@ -7575,7 +7575,7 @@
               <a:pPr>
                 <a:defRPr/>
               </a:pPr>
-              <a:t>2/14/2019</a:t>
+              <a:t>9/25/2019</a:t>
             </a:fld>
             <a:endParaRPr lang="en-US" dirty="0">
               <a:solidFill>
@@ -10904,7 +10904,7 @@
                   <a:srgbClr val="404040"/>
                 </a:solidFill>
               </a:rPr>
-              <a:t>Final 3 Data Frames From    Tutorial 7 Should All Be Saved to CSV’s on PC</a:t>
+              <a:t>Final 3 Data Frames From  Previous Tutorial  Should All Be Saved to CSV’s on PC</a:t>
             </a:r>
           </a:p>
           <a:p>
@@ -11178,7 +11178,7 @@
               </a:lnSpc>
             </a:pPr>
             <a:r>
-              <a:rPr lang="en-US" sz="2400" kern="1200" dirty="0">
+              <a:rPr lang="en-US" sz="2400" kern="1200">
                 <a:solidFill>
                   <a:schemeClr val="bg1"/>
                 </a:solidFill>
@@ -11186,7 +11186,7 @@
                 <a:ea typeface="+mj-ea"/>
                 <a:cs typeface="+mj-cs"/>
               </a:rPr>
-              <a:t>Tutorial 8</a:t>
+              <a:t>Tutorial</a:t>
             </a:r>
             <a:br>
               <a:rPr lang="en-US" sz="2400" kern="1200" dirty="0">
@@ -11301,7 +11301,7 @@
                 <a:latin typeface="Arial" charset="0"/>
                 <a:ea typeface="ＭＳ Ｐゴシック" charset="-128"/>
               </a:rPr>
-              <a:t>Step 1: Open Tutorial 8</a:t>
+              <a:t>Step 1: Open Tutorial</a:t>
             </a:r>
           </a:p>
           <a:p>

--- a/Lecture/Web Scraping 2/Web_Scraping_2_Lecture.pptx
+++ b/Lecture/Web Scraping 2/Web_Scraping_2_Lecture.pptx
@@ -299,7 +299,7 @@
               <a:pPr>
                 <a:defRPr/>
               </a:pPr>
-              <a:t>9/25/2019</a:t>
+              <a:t>2/11/2020</a:t>
             </a:fld>
             <a:endParaRPr lang="en-US" dirty="0"/>
           </a:p>
@@ -511,7 +511,7 @@
               <a:pPr>
                 <a:defRPr/>
               </a:pPr>
-              <a:t>9/25/2019</a:t>
+              <a:t>2/11/2020</a:t>
             </a:fld>
             <a:endParaRPr lang="en-US" dirty="0"/>
           </a:p>
@@ -1030,7 +1030,7 @@
               <a:pPr>
                 <a:defRPr/>
               </a:pPr>
-              <a:t>9/25/2019</a:t>
+              <a:t>2/11/2020</a:t>
             </a:fld>
             <a:endParaRPr lang="en-US" dirty="0"/>
           </a:p>
@@ -1220,7 +1220,7 @@
               <a:pPr>
                 <a:defRPr/>
               </a:pPr>
-              <a:t>9/25/2019</a:t>
+              <a:t>2/11/2020</a:t>
             </a:fld>
             <a:endParaRPr lang="en-US" dirty="0"/>
           </a:p>
@@ -1420,7 +1420,7 @@
               <a:pPr>
                 <a:defRPr/>
               </a:pPr>
-              <a:t>9/25/2019</a:t>
+              <a:t>2/11/2020</a:t>
             </a:fld>
             <a:endParaRPr lang="en-US" dirty="0"/>
           </a:p>
@@ -1688,7 +1688,7 @@
               <a:pPr>
                 <a:defRPr/>
               </a:pPr>
-              <a:t>9/25/2019</a:t>
+              <a:t>2/11/2020</a:t>
             </a:fld>
             <a:endParaRPr lang="en-US" dirty="0">
               <a:solidFill>
@@ -1902,7 +1902,7 @@
               <a:pPr>
                 <a:defRPr/>
               </a:pPr>
-              <a:t>9/25/2019</a:t>
+              <a:t>2/11/2020</a:t>
             </a:fld>
             <a:endParaRPr lang="en-US" dirty="0">
               <a:solidFill>
@@ -2193,7 +2193,7 @@
               <a:pPr>
                 <a:defRPr/>
               </a:pPr>
-              <a:t>9/25/2019</a:t>
+              <a:t>2/11/2020</a:t>
             </a:fld>
             <a:endParaRPr lang="en-US" dirty="0">
               <a:solidFill>
@@ -2524,7 +2524,7 @@
               <a:pPr>
                 <a:defRPr/>
               </a:pPr>
-              <a:t>9/25/2019</a:t>
+              <a:t>2/11/2020</a:t>
             </a:fld>
             <a:endParaRPr lang="en-US" dirty="0">
               <a:solidFill>
@@ -2989,7 +2989,7 @@
               <a:pPr>
                 <a:defRPr/>
               </a:pPr>
-              <a:t>9/25/2019</a:t>
+              <a:t>2/11/2020</a:t>
             </a:fld>
             <a:endParaRPr lang="en-US" dirty="0">
               <a:solidFill>
@@ -3152,7 +3152,7 @@
               <a:pPr>
                 <a:defRPr/>
               </a:pPr>
-              <a:t>9/25/2019</a:t>
+              <a:t>2/11/2020</a:t>
             </a:fld>
             <a:endParaRPr lang="en-US" dirty="0">
               <a:solidFill>
@@ -3293,7 +3293,7 @@
               <a:pPr>
                 <a:defRPr/>
               </a:pPr>
-              <a:t>9/25/2019</a:t>
+              <a:t>2/11/2020</a:t>
             </a:fld>
             <a:endParaRPr lang="en-US" dirty="0">
               <a:solidFill>
@@ -3614,7 +3614,7 @@
               <a:pPr>
                 <a:defRPr/>
               </a:pPr>
-              <a:t>9/25/2019</a:t>
+              <a:t>2/11/2020</a:t>
             </a:fld>
             <a:endParaRPr lang="en-US" dirty="0">
               <a:solidFill>
@@ -3822,7 +3822,7 @@
               <a:pPr>
                 <a:defRPr/>
               </a:pPr>
-              <a:t>9/25/2019</a:t>
+              <a:t>2/11/2020</a:t>
             </a:fld>
             <a:endParaRPr lang="en-US" dirty="0"/>
           </a:p>
@@ -4105,7 +4105,7 @@
               <a:pPr>
                 <a:defRPr/>
               </a:pPr>
-              <a:t>9/25/2019</a:t>
+              <a:t>2/11/2020</a:t>
             </a:fld>
             <a:endParaRPr lang="en-US" dirty="0">
               <a:solidFill>
@@ -4319,7 +4319,7 @@
               <a:pPr>
                 <a:defRPr/>
               </a:pPr>
-              <a:t>9/25/2019</a:t>
+              <a:t>2/11/2020</a:t>
             </a:fld>
             <a:endParaRPr lang="en-US" dirty="0">
               <a:solidFill>
@@ -4543,7 +4543,7 @@
               <a:pPr>
                 <a:defRPr/>
               </a:pPr>
-              <a:t>9/25/2019</a:t>
+              <a:t>2/11/2020</a:t>
             </a:fld>
             <a:endParaRPr lang="en-US" dirty="0">
               <a:solidFill>
@@ -4753,7 +4753,7 @@
               <a:pPr>
                 <a:defRPr/>
               </a:pPr>
-              <a:t>9/25/2019</a:t>
+              <a:t>2/11/2020</a:t>
             </a:fld>
             <a:endParaRPr lang="en-US" dirty="0">
               <a:solidFill>
@@ -5030,7 +5030,7 @@
               <a:pPr>
                 <a:defRPr/>
               </a:pPr>
-              <a:t>9/25/2019</a:t>
+              <a:t>2/11/2020</a:t>
             </a:fld>
             <a:endParaRPr lang="en-US" dirty="0"/>
           </a:p>
@@ -5337,7 +5337,7 @@
               <a:pPr>
                 <a:defRPr/>
               </a:pPr>
-              <a:t>9/25/2019</a:t>
+              <a:t>2/11/2020</a:t>
             </a:fld>
             <a:endParaRPr lang="en-US" dirty="0"/>
           </a:p>
@@ -5778,7 +5778,7 @@
               <a:pPr>
                 <a:defRPr/>
               </a:pPr>
-              <a:t>9/25/2019</a:t>
+              <a:t>2/11/2020</a:t>
             </a:fld>
             <a:endParaRPr lang="en-US" dirty="0"/>
           </a:p>
@@ -5917,7 +5917,7 @@
               <a:pPr>
                 <a:defRPr/>
               </a:pPr>
-              <a:t>9/25/2019</a:t>
+              <a:t>2/11/2020</a:t>
             </a:fld>
             <a:endParaRPr lang="en-US" dirty="0"/>
           </a:p>
@@ -6034,7 +6034,7 @@
               <a:pPr>
                 <a:defRPr/>
               </a:pPr>
-              <a:t>9/25/2019</a:t>
+              <a:t>2/11/2020</a:t>
             </a:fld>
             <a:endParaRPr lang="en-US" dirty="0"/>
           </a:p>
@@ -6331,7 +6331,7 @@
               <a:pPr>
                 <a:defRPr/>
               </a:pPr>
-              <a:t>9/25/2019</a:t>
+              <a:t>2/11/2020</a:t>
             </a:fld>
             <a:endParaRPr lang="en-US" dirty="0"/>
           </a:p>
@@ -6608,7 +6608,7 @@
               <a:pPr>
                 <a:defRPr/>
               </a:pPr>
-              <a:t>9/25/2019</a:t>
+              <a:t>2/11/2020</a:t>
             </a:fld>
             <a:endParaRPr lang="en-US" dirty="0"/>
           </a:p>
@@ -6865,7 +6865,7 @@
               <a:pPr>
                 <a:defRPr/>
               </a:pPr>
-              <a:t>9/25/2019</a:t>
+              <a:t>2/11/2020</a:t>
             </a:fld>
             <a:endParaRPr lang="en-US" dirty="0"/>
           </a:p>
@@ -7575,7 +7575,7 @@
               <a:pPr>
                 <a:defRPr/>
               </a:pPr>
-              <a:t>9/25/2019</a:t>
+              <a:t>2/11/2020</a:t>
             </a:fld>
             <a:endParaRPr lang="en-US" dirty="0">
               <a:solidFill>
@@ -12283,10 +12283,10 @@
       </p:sp>
       <p:pic>
         <p:nvPicPr>
-          <p:cNvPr id="5" name="Picture 4">
+          <p:cNvPr id="3" name="Picture 2">
             <a:extLst>
               <a:ext uri="{FF2B5EF4-FFF2-40B4-BE49-F238E27FC236}">
-                <a16:creationId xmlns:a16="http://schemas.microsoft.com/office/drawing/2014/main" id="{F933E6ED-A14C-42F4-9934-E1A039439A3D}"/>
+                <a16:creationId xmlns:a16="http://schemas.microsoft.com/office/drawing/2014/main" id="{32FED473-9BA8-4740-B0C5-7B7585280764}"/>
               </a:ext>
             </a:extLst>
           </p:cNvPr>
@@ -12303,8 +12303,8 @@
         </p:blipFill>
         <p:spPr>
           <a:xfrm>
-            <a:off x="3631524" y="1442124"/>
-            <a:ext cx="5399646" cy="2291676"/>
+            <a:off x="3709471" y="1524000"/>
+            <a:ext cx="5273842" cy="1752600"/>
           </a:xfrm>
           <a:prstGeom prst="rect">
             <a:avLst/>
